--- a/slides/Spark.pptx
+++ b/slides/Spark.pptx
@@ -22,9 +22,6 @@
     <p:sldId id="275" r:id="rId16"/>
     <p:sldId id="274" r:id="rId17"/>
     <p:sldId id="277" r:id="rId18"/>
-    <p:sldId id="271" r:id="rId19"/>
-    <p:sldId id="272" r:id="rId20"/>
-    <p:sldId id="273" r:id="rId21"/>
   </p:sldIdLst>
   <p:sldSz cx="12192000" cy="6858000"/>
   <p:notesSz cx="6858000" cy="9144000"/>
@@ -278,7 +275,7 @@
           <a:p>
             <a:fld id="{A56E0DAD-19EA-4BB4-9AEF-5FF301A2C8FE}" type="datetimeFigureOut">
               <a:rPr lang="fr-FR" smtClean="0"/>
-              <a:t>22/10/2023</a:t>
+              <a:t>15/12/2025</a:t>
             </a:fld>
             <a:endParaRPr lang="fr-FR"/>
           </a:p>
@@ -476,7 +473,7 @@
           <a:p>
             <a:fld id="{A56E0DAD-19EA-4BB4-9AEF-5FF301A2C8FE}" type="datetimeFigureOut">
               <a:rPr lang="fr-FR" smtClean="0"/>
-              <a:t>22/10/2023</a:t>
+              <a:t>15/12/2025</a:t>
             </a:fld>
             <a:endParaRPr lang="fr-FR"/>
           </a:p>
@@ -684,7 +681,7 @@
           <a:p>
             <a:fld id="{A56E0DAD-19EA-4BB4-9AEF-5FF301A2C8FE}" type="datetimeFigureOut">
               <a:rPr lang="fr-FR" smtClean="0"/>
-              <a:t>22/10/2023</a:t>
+              <a:t>15/12/2025</a:t>
             </a:fld>
             <a:endParaRPr lang="fr-FR"/>
           </a:p>
@@ -914,7 +911,7 @@
           <a:p>
             <a:fld id="{A56E0DAD-19EA-4BB4-9AEF-5FF301A2C8FE}" type="datetimeFigureOut">
               <a:rPr lang="fr-FR" smtClean="0"/>
-              <a:t>22/10/2023</a:t>
+              <a:t>15/12/2025</a:t>
             </a:fld>
             <a:endParaRPr lang="fr-FR"/>
           </a:p>
@@ -1189,7 +1186,7 @@
           <a:p>
             <a:fld id="{A56E0DAD-19EA-4BB4-9AEF-5FF301A2C8FE}" type="datetimeFigureOut">
               <a:rPr lang="fr-FR" smtClean="0"/>
-              <a:t>22/10/2023</a:t>
+              <a:t>15/12/2025</a:t>
             </a:fld>
             <a:endParaRPr lang="fr-FR"/>
           </a:p>
@@ -1512,7 +1509,7 @@
           <a:p>
             <a:fld id="{A56E0DAD-19EA-4BB4-9AEF-5FF301A2C8FE}" type="datetimeFigureOut">
               <a:rPr lang="fr-FR" smtClean="0"/>
-              <a:t>22/10/2023</a:t>
+              <a:t>15/12/2025</a:t>
             </a:fld>
             <a:endParaRPr lang="fr-FR"/>
           </a:p>
@@ -1986,7 +1983,7 @@
           <a:p>
             <a:fld id="{A56E0DAD-19EA-4BB4-9AEF-5FF301A2C8FE}" type="datetimeFigureOut">
               <a:rPr lang="fr-FR" smtClean="0"/>
-              <a:t>22/10/2023</a:t>
+              <a:t>15/12/2025</a:t>
             </a:fld>
             <a:endParaRPr lang="fr-FR"/>
           </a:p>
@@ -2127,7 +2124,7 @@
           <a:p>
             <a:fld id="{A56E0DAD-19EA-4BB4-9AEF-5FF301A2C8FE}" type="datetimeFigureOut">
               <a:rPr lang="fr-FR" smtClean="0"/>
-              <a:t>22/10/2023</a:t>
+              <a:t>15/12/2025</a:t>
             </a:fld>
             <a:endParaRPr lang="fr-FR"/>
           </a:p>
@@ -2240,7 +2237,7 @@
           <a:p>
             <a:fld id="{A56E0DAD-19EA-4BB4-9AEF-5FF301A2C8FE}" type="datetimeFigureOut">
               <a:rPr lang="fr-FR" smtClean="0"/>
-              <a:t>22/10/2023</a:t>
+              <a:t>15/12/2025</a:t>
             </a:fld>
             <a:endParaRPr lang="fr-FR"/>
           </a:p>
@@ -2551,7 +2548,7 @@
           <a:p>
             <a:fld id="{A56E0DAD-19EA-4BB4-9AEF-5FF301A2C8FE}" type="datetimeFigureOut">
               <a:rPr lang="fr-FR" smtClean="0"/>
-              <a:t>22/10/2023</a:t>
+              <a:t>15/12/2025</a:t>
             </a:fld>
             <a:endParaRPr lang="fr-FR"/>
           </a:p>
@@ -2839,7 +2836,7 @@
           <a:p>
             <a:fld id="{A56E0DAD-19EA-4BB4-9AEF-5FF301A2C8FE}" type="datetimeFigureOut">
               <a:rPr lang="fr-FR" smtClean="0"/>
-              <a:t>22/10/2023</a:t>
+              <a:t>15/12/2025</a:t>
             </a:fld>
             <a:endParaRPr lang="fr-FR"/>
           </a:p>
@@ -3080,7 +3077,7 @@
           <a:p>
             <a:fld id="{A56E0DAD-19EA-4BB4-9AEF-5FF301A2C8FE}" type="datetimeFigureOut">
               <a:rPr lang="fr-FR" smtClean="0"/>
-              <a:t>22/10/2023</a:t>
+              <a:t>15/12/2025</a:t>
             </a:fld>
             <a:endParaRPr lang="fr-FR"/>
           </a:p>
@@ -4142,7 +4139,7 @@
         </p:spPr>
         <p:txBody>
           <a:bodyPr>
-            <a:normAutofit fontScale="85000" lnSpcReduction="10000"/>
+            <a:normAutofit fontScale="77500" lnSpcReduction="20000"/>
           </a:bodyPr>
           <a:lstStyle/>
           <a:p>
@@ -4189,33 +4186,7 @@
                 <a:latin typeface="Courier New" panose="02070309020205020404" pitchFamily="49" charset="0"/>
                 <a:cs typeface="Courier New" panose="02070309020205020404" pitchFamily="49" charset="0"/>
               </a:rPr>
-              <a:t>SparkSession.builder</a:t>
-            </a:r>
-            <a:r>
-              <a:rPr lang="fr-FR" dirty="0">
-                <a:latin typeface="Courier New" panose="02070309020205020404" pitchFamily="49" charset="0"/>
-                <a:cs typeface="Courier New" panose="02070309020205020404" pitchFamily="49" charset="0"/>
-              </a:rPr>
-              <a:t> \</a:t>
-            </a:r>
-          </a:p>
-          <a:p>
-            <a:pPr marL="914400" lvl="2" indent="0">
-              <a:buNone/>
-            </a:pPr>
-            <a:r>
-              <a:rPr lang="fr-FR" dirty="0">
-                <a:latin typeface="Courier New" panose="02070309020205020404" pitchFamily="49" charset="0"/>
-                <a:cs typeface="Courier New" panose="02070309020205020404" pitchFamily="49" charset="0"/>
-              </a:rPr>
-              <a:t>        .</a:t>
-            </a:r>
-            <a:r>
-              <a:rPr lang="fr-FR" dirty="0" err="1">
-                <a:latin typeface="Courier New" panose="02070309020205020404" pitchFamily="49" charset="0"/>
-                <a:cs typeface="Courier New" panose="02070309020205020404" pitchFamily="49" charset="0"/>
-              </a:rPr>
-              <a:t>appName</a:t>
+              <a:t>SparkSession.builder.appName</a:t>
             </a:r>
             <a:r>
               <a:rPr lang="fr-FR" dirty="0">
@@ -4313,7 +4284,13 @@
               <a:rPr lang="fr-FR" dirty="0">
                 <a:cs typeface="Courier New" panose="02070309020205020404" pitchFamily="49" charset="0"/>
               </a:rPr>
-              <a:t>Sur un cluster Spark</a:t>
+              <a:t>Sur un cluster </a:t>
+            </a:r>
+            <a:r>
+              <a:rPr lang="fr-FR" i="1" dirty="0">
+                <a:cs typeface="Courier New" panose="02070309020205020404" pitchFamily="49" charset="0"/>
+              </a:rPr>
+              <a:t>Spark Standalone</a:t>
             </a:r>
           </a:p>
           <a:p>
@@ -4339,14 +4316,14 @@
                 <a:latin typeface="Courier New" panose="02070309020205020404" pitchFamily="49" charset="0"/>
                 <a:cs typeface="Courier New" panose="02070309020205020404" pitchFamily="49" charset="0"/>
               </a:rPr>
-              <a:t>SparkSession.builder</a:t>
-            </a:r>
-            <a:r>
-              <a:rPr lang="fr-FR" dirty="0">
-                <a:latin typeface="Courier New" panose="02070309020205020404" pitchFamily="49" charset="0"/>
-                <a:cs typeface="Courier New" panose="02070309020205020404" pitchFamily="49" charset="0"/>
-              </a:rPr>
-              <a:t> \</a:t>
+              <a:t>SparkSession.builder.appName</a:t>
+            </a:r>
+            <a:r>
+              <a:rPr lang="fr-FR" dirty="0">
+                <a:latin typeface="Courier New" panose="02070309020205020404" pitchFamily="49" charset="0"/>
+                <a:cs typeface="Courier New" panose="02070309020205020404" pitchFamily="49" charset="0"/>
+              </a:rPr>
+              <a:t>("Mon appli Spark") \</a:t>
             </a:r>
           </a:p>
           <a:p>
@@ -4358,14 +4335,115 @@
                 <a:latin typeface="Courier New" panose="02070309020205020404" pitchFamily="49" charset="0"/>
                 <a:cs typeface="Courier New" panose="02070309020205020404" pitchFamily="49" charset="0"/>
               </a:rPr>
-              <a:t>        .</a:t>
+              <a:t>        .master("</a:t>
             </a:r>
             <a:r>
               <a:rPr lang="fr-FR" dirty="0" err="1">
                 <a:latin typeface="Courier New" panose="02070309020205020404" pitchFamily="49" charset="0"/>
                 <a:cs typeface="Courier New" panose="02070309020205020404" pitchFamily="49" charset="0"/>
               </a:rPr>
-              <a:t>appName</a:t>
+              <a:t>spark</a:t>
+            </a:r>
+            <a:r>
+              <a:rPr lang="fr-FR" dirty="0">
+                <a:latin typeface="Courier New" panose="02070309020205020404" pitchFamily="49" charset="0"/>
+                <a:cs typeface="Courier New" panose="02070309020205020404" pitchFamily="49" charset="0"/>
+              </a:rPr>
+              <a:t>://master-name:7077") \</a:t>
+            </a:r>
+          </a:p>
+          <a:p>
+            <a:pPr marL="914400" lvl="2" indent="0">
+              <a:buNone/>
+            </a:pPr>
+            <a:r>
+              <a:rPr lang="fr-FR" dirty="0">
+                <a:latin typeface="Courier New" panose="02070309020205020404" pitchFamily="49" charset="0"/>
+                <a:cs typeface="Courier New" panose="02070309020205020404" pitchFamily="49" charset="0"/>
+              </a:rPr>
+              <a:t>	.</a:t>
+            </a:r>
+            <a:r>
+              <a:rPr lang="fr-FR" dirty="0" err="1">
+                <a:latin typeface="Courier New" panose="02070309020205020404" pitchFamily="49" charset="0"/>
+                <a:cs typeface="Courier New" panose="02070309020205020404" pitchFamily="49" charset="0"/>
+              </a:rPr>
+              <a:t>getOrCreate</a:t>
+            </a:r>
+            <a:r>
+              <a:rPr lang="fr-FR" dirty="0">
+                <a:latin typeface="Courier New" panose="02070309020205020404" pitchFamily="49" charset="0"/>
+                <a:cs typeface="Courier New" panose="02070309020205020404" pitchFamily="49" charset="0"/>
+              </a:rPr>
+              <a:t>()</a:t>
+            </a:r>
+          </a:p>
+          <a:p>
+            <a:pPr marL="914400" lvl="2" indent="0">
+              <a:buNone/>
+            </a:pPr>
+            <a:endParaRPr lang="fr-FR" dirty="0">
+              <a:latin typeface="Courier New" panose="02070309020205020404" pitchFamily="49" charset="0"/>
+              <a:cs typeface="Courier New" panose="02070309020205020404" pitchFamily="49" charset="0"/>
+            </a:endParaRPr>
+          </a:p>
+          <a:p>
+            <a:pPr lvl="1"/>
+            <a:r>
+              <a:rPr lang="fr-FR" dirty="0">
+                <a:cs typeface="Courier New" panose="02070309020205020404" pitchFamily="49" charset="0"/>
+              </a:rPr>
+              <a:t>Sur un cluster </a:t>
+            </a:r>
+            <a:r>
+              <a:rPr lang="fr-FR" i="1" dirty="0">
+                <a:cs typeface="Courier New" panose="02070309020205020404" pitchFamily="49" charset="0"/>
+              </a:rPr>
+              <a:t>Spark on YARN </a:t>
+            </a:r>
+            <a:r>
+              <a:rPr lang="fr-FR" dirty="0">
+                <a:cs typeface="Courier New" panose="02070309020205020404" pitchFamily="49" charset="0"/>
+              </a:rPr>
+              <a:t>(cas de </a:t>
+            </a:r>
+            <a:r>
+              <a:rPr lang="fr-FR" dirty="0" err="1">
+                <a:cs typeface="Courier New" panose="02070309020205020404" pitchFamily="49" charset="0"/>
+              </a:rPr>
+              <a:t>Dataproc</a:t>
+            </a:r>
+            <a:r>
+              <a:rPr lang="fr-FR" dirty="0">
+                <a:cs typeface="Courier New" panose="02070309020205020404" pitchFamily="49" charset="0"/>
+              </a:rPr>
+              <a:t> Google)</a:t>
+            </a:r>
+          </a:p>
+          <a:p>
+            <a:pPr marL="914400" lvl="2" indent="0">
+              <a:buNone/>
+            </a:pPr>
+            <a:r>
+              <a:rPr lang="fr-FR" dirty="0" err="1">
+                <a:latin typeface="Courier New" panose="02070309020205020404" pitchFamily="49" charset="0"/>
+                <a:cs typeface="Courier New" panose="02070309020205020404" pitchFamily="49" charset="0"/>
+              </a:rPr>
+              <a:t>spark</a:t>
+            </a:r>
+            <a:r>
+              <a:rPr lang="fr-FR" dirty="0">
+                <a:latin typeface="Courier New" panose="02070309020205020404" pitchFamily="49" charset="0"/>
+                <a:cs typeface="Courier New" panose="02070309020205020404" pitchFamily="49" charset="0"/>
+              </a:rPr>
+              <a:t> = </a:t>
+            </a:r>
+            <a:r>
+              <a:rPr lang="fr-FR" dirty="0" err="1">
+                <a:latin typeface="Courier New" panose="02070309020205020404" pitchFamily="49" charset="0"/>
+                <a:cs typeface="Courier New" panose="02070309020205020404" pitchFamily="49" charset="0"/>
+              </a:rPr>
+              <a:t>SparkSession.builder.appName</a:t>
             </a:r>
             <a:r>
               <a:rPr lang="fr-FR" dirty="0">
@@ -4391,14 +4469,14 @@
                 <a:latin typeface="Courier New" panose="02070309020205020404" pitchFamily="49" charset="0"/>
                 <a:cs typeface="Courier New" panose="02070309020205020404" pitchFamily="49" charset="0"/>
               </a:rPr>
-              <a:t>spark</a:t>
-            </a:r>
-            <a:r>
-              <a:rPr lang="fr-FR" dirty="0">
-                <a:latin typeface="Courier New" panose="02070309020205020404" pitchFamily="49" charset="0"/>
-                <a:cs typeface="Courier New" panose="02070309020205020404" pitchFamily="49" charset="0"/>
-              </a:rPr>
-              <a:t>://master-name:7077") \</a:t>
+              <a:t>yarn</a:t>
+            </a:r>
+            <a:r>
+              <a:rPr lang="fr-FR" dirty="0">
+                <a:latin typeface="Courier New" panose="02070309020205020404" pitchFamily="49" charset="0"/>
+                <a:cs typeface="Courier New" panose="02070309020205020404" pitchFamily="49" charset="0"/>
+              </a:rPr>
+              <a:t>") \</a:t>
             </a:r>
           </a:p>
           <a:p>
@@ -4410,7 +4488,7 @@
                 <a:latin typeface="Courier New" panose="02070309020205020404" pitchFamily="49" charset="0"/>
                 <a:cs typeface="Courier New" panose="02070309020205020404" pitchFamily="49" charset="0"/>
               </a:rPr>
-              <a:t>		.</a:t>
+              <a:t>	.</a:t>
             </a:r>
             <a:r>
               <a:rPr lang="fr-FR" dirty="0" err="1">
@@ -6062,7 +6140,7 @@
         </p:spPr>
         <p:txBody>
           <a:bodyPr>
-            <a:normAutofit fontScale="85000" lnSpcReduction="20000"/>
+            <a:normAutofit fontScale="92500" lnSpcReduction="20000"/>
           </a:bodyPr>
           <a:lstStyle/>
           <a:p>
@@ -6549,187 +6627,28 @@
               <a:rPr lang="fr-FR" dirty="0">
                 <a:cs typeface="Courier New" panose="02070309020205020404" pitchFamily="49" charset="0"/>
               </a:rPr>
+              <a:t>,</a:t>
+            </a:r>
+            <a:r>
+              <a:rPr lang="fr-FR" sz="2000" dirty="0">
+                <a:latin typeface="Courier New" panose="02070309020205020404" pitchFamily="49" charset="0"/>
+                <a:cs typeface="Courier New" panose="02070309020205020404" pitchFamily="49" charset="0"/>
+                <a:hlinkClick r:id="rId30"/>
+              </a:rPr>
+              <a:t> count</a:t>
+            </a:r>
+            <a:r>
+              <a:rPr lang="fr-FR" sz="2000" dirty="0">
+                <a:latin typeface="Courier New" panose="02070309020205020404" pitchFamily="49" charset="0"/>
+                <a:cs typeface="Courier New" panose="02070309020205020404" pitchFamily="49" charset="0"/>
+              </a:rPr>
+              <a:t> </a:t>
+            </a:r>
+            <a:r>
+              <a:rPr lang="fr-FR" dirty="0">
+                <a:cs typeface="Courier New" panose="02070309020205020404" pitchFamily="49" charset="0"/>
+              </a:rPr>
               <a:t>,…</a:t>
-            </a:r>
-          </a:p>
-          <a:p>
-            <a:pPr lvl="2"/>
-            <a:r>
-              <a:rPr lang="fr-FR" dirty="0">
-                <a:cs typeface="Courier New" panose="02070309020205020404" pitchFamily="49" charset="0"/>
-              </a:rPr>
-              <a:t>Agrégation </a:t>
-            </a:r>
-            <a:r>
-              <a:rPr lang="fr-FR" sz="2000" dirty="0">
-                <a:cs typeface="Courier New" panose="02070309020205020404" pitchFamily="49" charset="0"/>
-              </a:rPr>
-              <a:t>: </a:t>
-            </a:r>
-            <a:r>
-              <a:rPr lang="fr-FR" sz="2000" dirty="0">
-                <a:latin typeface="Courier New" panose="02070309020205020404" pitchFamily="49" charset="0"/>
-                <a:cs typeface="Courier New" panose="02070309020205020404" pitchFamily="49" charset="0"/>
-                <a:hlinkClick r:id="rId30"/>
-              </a:rPr>
-              <a:t>count</a:t>
-            </a:r>
-            <a:r>
-              <a:rPr lang="fr-FR" sz="2000" dirty="0">
-                <a:cs typeface="Courier New" panose="02070309020205020404" pitchFamily="49" charset="0"/>
-              </a:rPr>
-              <a:t>, </a:t>
-            </a:r>
-            <a:r>
-              <a:rPr lang="fr-FR" sz="2000" dirty="0" err="1">
-                <a:latin typeface="Courier New" panose="02070309020205020404" pitchFamily="49" charset="0"/>
-                <a:cs typeface="Courier New" panose="02070309020205020404" pitchFamily="49" charset="0"/>
-                <a:hlinkClick r:id="rId31"/>
-              </a:rPr>
-              <a:t>agg</a:t>
-            </a:r>
-            <a:r>
-              <a:rPr lang="fr-FR" sz="2000" dirty="0">
-                <a:cs typeface="Courier New" panose="02070309020205020404" pitchFamily="49" charset="0"/>
-              </a:rPr>
-              <a:t>, …</a:t>
-            </a:r>
-            <a:r>
-              <a:rPr lang="fr-FR" dirty="0">
-                <a:cs typeface="Courier New" panose="02070309020205020404" pitchFamily="49" charset="0"/>
-              </a:rPr>
-              <a:t> </a:t>
-            </a:r>
-          </a:p>
-          <a:p>
-            <a:pPr lvl="2"/>
-            <a:endParaRPr lang="fr-FR" dirty="0">
-              <a:cs typeface="Courier New" panose="02070309020205020404" pitchFamily="49" charset="0"/>
-            </a:endParaRPr>
-          </a:p>
-          <a:p>
-            <a:pPr lvl="1"/>
-            <a:r>
-              <a:rPr lang="fr-FR" dirty="0">
-                <a:cs typeface="Courier New" panose="02070309020205020404" pitchFamily="49" charset="0"/>
-              </a:rPr>
-              <a:t>Informations, schéma, </a:t>
-            </a:r>
-            <a:r>
-              <a:rPr lang="fr-FR" dirty="0">
-                <a:latin typeface="Courier New" panose="02070309020205020404" pitchFamily="49" charset="0"/>
-                <a:cs typeface="Courier New" panose="02070309020205020404" pitchFamily="49" charset="0"/>
-              </a:rPr>
-              <a:t>RDD</a:t>
-            </a:r>
-            <a:r>
-              <a:rPr lang="fr-FR" dirty="0">
-                <a:cs typeface="Courier New" panose="02070309020205020404" pitchFamily="49" charset="0"/>
-              </a:rPr>
-              <a:t> sous-jacent</a:t>
-            </a:r>
-          </a:p>
-          <a:p>
-            <a:pPr lvl="2"/>
-            <a:r>
-              <a:rPr lang="fr-FR" dirty="0" err="1">
-                <a:latin typeface="Courier New" panose="02070309020205020404" pitchFamily="49" charset="0"/>
-                <a:cs typeface="Courier New" panose="02070309020205020404" pitchFamily="49" charset="0"/>
-                <a:hlinkClick r:id="rId32"/>
-              </a:rPr>
-              <a:t>summary</a:t>
-            </a:r>
-            <a:r>
-              <a:rPr lang="fr-FR" dirty="0">
-                <a:cs typeface="Courier New" panose="02070309020205020404" pitchFamily="49" charset="0"/>
-              </a:rPr>
-              <a:t>, </a:t>
-            </a:r>
-            <a:r>
-              <a:rPr lang="fr-FR" dirty="0" err="1">
-                <a:latin typeface="Courier New" panose="02070309020205020404" pitchFamily="49" charset="0"/>
-                <a:cs typeface="Courier New" panose="02070309020205020404" pitchFamily="49" charset="0"/>
-                <a:hlinkClick r:id="rId33"/>
-              </a:rPr>
-              <a:t>s</a:t>
-            </a:r>
-            <a:r>
-              <a:rPr lang="fr-FR" dirty="0" err="1">
-                <a:latin typeface="Courier New" panose="02070309020205020404" pitchFamily="49" charset="0"/>
-                <a:cs typeface="Courier New" panose="02070309020205020404" pitchFamily="49" charset="0"/>
-                <a:hlinkClick r:id="rId33"/>
-              </a:rPr>
-              <a:t>chema</a:t>
-            </a:r>
-            <a:r>
-              <a:rPr lang="fr-FR" dirty="0">
-                <a:latin typeface="Courier New" panose="02070309020205020404" pitchFamily="49" charset="0"/>
-                <a:cs typeface="Courier New" panose="02070309020205020404" pitchFamily="49" charset="0"/>
-              </a:rPr>
-              <a:t> (</a:t>
-            </a:r>
-            <a:r>
-              <a:rPr lang="fr-FR" dirty="0" err="1">
-                <a:latin typeface="Courier New" panose="02070309020205020404" pitchFamily="49" charset="0"/>
-                <a:cs typeface="Courier New" panose="02070309020205020404" pitchFamily="49" charset="0"/>
-                <a:hlinkClick r:id="rId34"/>
-              </a:rPr>
-              <a:t>StrucType</a:t>
-            </a:r>
-            <a:r>
-              <a:rPr lang="fr-FR" dirty="0">
-                <a:latin typeface="Courier New" panose="02070309020205020404" pitchFamily="49" charset="0"/>
-                <a:cs typeface="Courier New" panose="02070309020205020404" pitchFamily="49" charset="0"/>
-              </a:rPr>
-              <a:t>)</a:t>
-            </a:r>
-            <a:r>
-              <a:rPr lang="fr-FR" dirty="0">
-                <a:cs typeface="Courier New" panose="02070309020205020404" pitchFamily="49" charset="0"/>
-              </a:rPr>
-              <a:t>, </a:t>
-            </a:r>
-            <a:r>
-              <a:rPr lang="fr-FR" dirty="0" err="1">
-                <a:latin typeface="Courier New" panose="02070309020205020404" pitchFamily="49" charset="0"/>
-                <a:cs typeface="Courier New" panose="02070309020205020404" pitchFamily="49" charset="0"/>
-                <a:hlinkClick r:id="rId35"/>
-              </a:rPr>
-              <a:t>printSchema</a:t>
-            </a:r>
-            <a:r>
-              <a:rPr lang="fr-FR" dirty="0">
-                <a:cs typeface="Courier New" panose="02070309020205020404" pitchFamily="49" charset="0"/>
-              </a:rPr>
-              <a:t>, </a:t>
-            </a:r>
-            <a:r>
-              <a:rPr lang="fr-FR" dirty="0">
-                <a:latin typeface="Courier New" panose="02070309020205020404" pitchFamily="49" charset="0"/>
-                <a:cs typeface="Courier New" panose="02070309020205020404" pitchFamily="49" charset="0"/>
-                <a:hlinkClick r:id="rId36"/>
-              </a:rPr>
-              <a:t>to</a:t>
-            </a:r>
-            <a:r>
-              <a:rPr lang="fr-FR" dirty="0">
-                <a:cs typeface="Courier New" panose="02070309020205020404" pitchFamily="49" charset="0"/>
-              </a:rPr>
-              <a:t>, </a:t>
-            </a:r>
-            <a:r>
-              <a:rPr lang="fr-FR" dirty="0" err="1">
-                <a:latin typeface="Courier New" panose="02070309020205020404" pitchFamily="49" charset="0"/>
-                <a:cs typeface="Courier New" panose="02070309020205020404" pitchFamily="49" charset="0"/>
-                <a:hlinkClick r:id="rId37"/>
-              </a:rPr>
-              <a:t>rdd</a:t>
-            </a:r>
-            <a:r>
-              <a:rPr lang="fr-FR" dirty="0">
-                <a:cs typeface="Courier New" panose="02070309020205020404" pitchFamily="49" charset="0"/>
-              </a:rPr>
-              <a:t>, …</a:t>
             </a:r>
           </a:p>
           <a:p>
@@ -6746,6 +6665,131 @@
               <a:rPr lang="fr-FR" dirty="0">
                 <a:cs typeface="Courier New" panose="02070309020205020404" pitchFamily="49" charset="0"/>
               </a:rPr>
+              <a:t>Informations, schéma, </a:t>
+            </a:r>
+            <a:r>
+              <a:rPr lang="fr-FR" dirty="0">
+                <a:latin typeface="Courier New" panose="02070309020205020404" pitchFamily="49" charset="0"/>
+                <a:cs typeface="Courier New" panose="02070309020205020404" pitchFamily="49" charset="0"/>
+              </a:rPr>
+              <a:t>RDD</a:t>
+            </a:r>
+            <a:r>
+              <a:rPr lang="fr-FR" dirty="0">
+                <a:cs typeface="Courier New" panose="02070309020205020404" pitchFamily="49" charset="0"/>
+              </a:rPr>
+              <a:t> sous-jacent</a:t>
+            </a:r>
+          </a:p>
+          <a:p>
+            <a:pPr lvl="2"/>
+            <a:r>
+              <a:rPr lang="fr-FR" dirty="0" err="1">
+                <a:latin typeface="Courier New" panose="02070309020205020404" pitchFamily="49" charset="0"/>
+                <a:cs typeface="Courier New" panose="02070309020205020404" pitchFamily="49" charset="0"/>
+                <a:hlinkClick r:id="rId31"/>
+              </a:rPr>
+              <a:t>summary</a:t>
+            </a:r>
+            <a:r>
+              <a:rPr lang="fr-FR" dirty="0">
+                <a:cs typeface="Courier New" panose="02070309020205020404" pitchFamily="49" charset="0"/>
+              </a:rPr>
+              <a:t>, </a:t>
+            </a:r>
+            <a:r>
+              <a:rPr lang="fr-FR" dirty="0" err="1">
+                <a:latin typeface="Courier New" panose="02070309020205020404" pitchFamily="49" charset="0"/>
+                <a:cs typeface="Courier New" panose="02070309020205020404" pitchFamily="49" charset="0"/>
+                <a:hlinkClick r:id="rId32"/>
+              </a:rPr>
+              <a:t>schema</a:t>
+            </a:r>
+            <a:r>
+              <a:rPr lang="fr-FR" dirty="0">
+                <a:latin typeface="Courier New" panose="02070309020205020404" pitchFamily="49" charset="0"/>
+                <a:cs typeface="Courier New" panose="02070309020205020404" pitchFamily="49" charset="0"/>
+              </a:rPr>
+              <a:t> (</a:t>
+            </a:r>
+            <a:r>
+              <a:rPr lang="fr-FR" dirty="0" err="1">
+                <a:latin typeface="Courier New" panose="02070309020205020404" pitchFamily="49" charset="0"/>
+                <a:cs typeface="Courier New" panose="02070309020205020404" pitchFamily="49" charset="0"/>
+                <a:hlinkClick r:id="rId33"/>
+              </a:rPr>
+              <a:t>StrucType</a:t>
+            </a:r>
+            <a:r>
+              <a:rPr lang="fr-FR" dirty="0">
+                <a:latin typeface="Courier New" panose="02070309020205020404" pitchFamily="49" charset="0"/>
+                <a:cs typeface="Courier New" panose="02070309020205020404" pitchFamily="49" charset="0"/>
+              </a:rPr>
+              <a:t>)</a:t>
+            </a:r>
+            <a:r>
+              <a:rPr lang="fr-FR" dirty="0">
+                <a:cs typeface="Courier New" panose="02070309020205020404" pitchFamily="49" charset="0"/>
+              </a:rPr>
+              <a:t>, </a:t>
+            </a:r>
+            <a:r>
+              <a:rPr lang="fr-FR" dirty="0" err="1">
+                <a:latin typeface="Courier New" panose="02070309020205020404" pitchFamily="49" charset="0"/>
+                <a:cs typeface="Courier New" panose="02070309020205020404" pitchFamily="49" charset="0"/>
+                <a:hlinkClick r:id="rId34"/>
+              </a:rPr>
+              <a:t>printSchema</a:t>
+            </a:r>
+            <a:r>
+              <a:rPr lang="fr-FR" dirty="0">
+                <a:cs typeface="Courier New" panose="02070309020205020404" pitchFamily="49" charset="0"/>
+              </a:rPr>
+              <a:t>, </a:t>
+            </a:r>
+            <a:r>
+              <a:rPr lang="fr-FR" dirty="0">
+                <a:latin typeface="Courier New" panose="02070309020205020404" pitchFamily="49" charset="0"/>
+                <a:cs typeface="Courier New" panose="02070309020205020404" pitchFamily="49" charset="0"/>
+                <a:hlinkClick r:id="rId35"/>
+              </a:rPr>
+              <a:t>to</a:t>
+            </a:r>
+            <a:r>
+              <a:rPr lang="fr-FR" dirty="0">
+                <a:cs typeface="Courier New" panose="02070309020205020404" pitchFamily="49" charset="0"/>
+              </a:rPr>
+              <a:t>, </a:t>
+            </a:r>
+            <a:r>
+              <a:rPr lang="fr-FR" dirty="0" err="1">
+                <a:latin typeface="Courier New" panose="02070309020205020404" pitchFamily="49" charset="0"/>
+                <a:cs typeface="Courier New" panose="02070309020205020404" pitchFamily="49" charset="0"/>
+                <a:hlinkClick r:id="rId36"/>
+              </a:rPr>
+              <a:t>rdd</a:t>
+            </a:r>
+            <a:r>
+              <a:rPr lang="fr-FR" dirty="0">
+                <a:cs typeface="Courier New" panose="02070309020205020404" pitchFamily="49" charset="0"/>
+              </a:rPr>
+              <a:t>, …</a:t>
+            </a:r>
+          </a:p>
+          <a:p>
+            <a:pPr marL="914400" lvl="2" indent="0">
+              <a:buNone/>
+            </a:pPr>
+            <a:endParaRPr lang="fr-FR" dirty="0">
+              <a:cs typeface="Courier New" panose="02070309020205020404" pitchFamily="49" charset="0"/>
+            </a:endParaRPr>
+          </a:p>
+          <a:p>
+            <a:pPr lvl="1"/>
+            <a:r>
+              <a:rPr lang="fr-FR" dirty="0">
+                <a:cs typeface="Courier New" panose="02070309020205020404" pitchFamily="49" charset="0"/>
+              </a:rPr>
               <a:t>Écriture</a:t>
             </a:r>
           </a:p>
@@ -6761,7 +6805,7 @@
               <a:rPr lang="fr-FR" dirty="0" err="1">
                 <a:latin typeface="Courier New" panose="02070309020205020404" pitchFamily="49" charset="0"/>
                 <a:cs typeface="Courier New" panose="02070309020205020404" pitchFamily="49" charset="0"/>
-                <a:hlinkClick r:id="rId38"/>
+                <a:hlinkClick r:id="rId37"/>
               </a:rPr>
               <a:t>write</a:t>
             </a:r>
@@ -7078,7 +7122,7 @@
               <a:rPr lang="fr-FR" dirty="0">
                 <a:cs typeface="Courier New" panose="02070309020205020404" pitchFamily="49" charset="0"/>
               </a:rPr>
-              <a:t>Récupération et création de colonnes : </a:t>
+              <a:t>Récupération et création d’objets colonnes : </a:t>
             </a:r>
             <a:r>
               <a:rPr lang="fr-FR" dirty="0">
@@ -7664,1085 +7708,6 @@
     <p:extLst>
       <p:ext uri="{BB962C8B-B14F-4D97-AF65-F5344CB8AC3E}">
         <p14:creationId xmlns:p14="http://schemas.microsoft.com/office/powerpoint/2010/main" val="2986917575"/>
-      </p:ext>
-    </p:extLst>
-  </p:cSld>
-  <p:clrMapOvr>
-    <a:masterClrMapping/>
-  </p:clrMapOvr>
-</p:sld>
-</file>
-
-<file path=ppt/slides/slide18.xml><?xml version="1.0" encoding="utf-8"?>
-<p:sld xmlns:a="http://schemas.openxmlformats.org/drawingml/2006/main" xmlns:r="http://schemas.openxmlformats.org/officeDocument/2006/relationships" xmlns:p="http://schemas.openxmlformats.org/presentationml/2006/main">
-  <p:cSld>
-    <p:spTree>
-      <p:nvGrpSpPr>
-        <p:cNvPr id="1" name=""/>
-        <p:cNvGrpSpPr/>
-        <p:nvPr/>
-      </p:nvGrpSpPr>
-      <p:grpSpPr>
-        <a:xfrm>
-          <a:off x="0" y="0"/>
-          <a:ext cx="0" cy="0"/>
-          <a:chOff x="0" y="0"/>
-          <a:chExt cx="0" cy="0"/>
-        </a:xfrm>
-      </p:grpSpPr>
-      <p:sp>
-        <p:nvSpPr>
-          <p:cNvPr id="2" name="Titre 1">
-            <a:extLst>
-              <a:ext uri="{FF2B5EF4-FFF2-40B4-BE49-F238E27FC236}">
-                <a16:creationId xmlns:a16="http://schemas.microsoft.com/office/drawing/2014/main" id="{59C4F008-DBF1-45AC-9E55-CADD855598AB}"/>
-              </a:ext>
-            </a:extLst>
-          </p:cNvPr>
-          <p:cNvSpPr>
-            <a:spLocks noGrp="1"/>
-          </p:cNvSpPr>
-          <p:nvPr>
-            <p:ph type="title"/>
-          </p:nvPr>
-        </p:nvSpPr>
-        <p:spPr/>
-        <p:txBody>
-          <a:bodyPr/>
-          <a:lstStyle/>
-          <a:p>
-            <a:r>
-              <a:rPr lang="fr-FR" dirty="0"/>
-              <a:t>Pandas-on-</a:t>
-            </a:r>
-            <a:r>
-              <a:rPr lang="fr-FR" dirty="0" err="1"/>
-              <a:t>spark</a:t>
-            </a:r>
-            <a:r>
-              <a:rPr lang="fr-FR" dirty="0"/>
-              <a:t> API</a:t>
-            </a:r>
-          </a:p>
-        </p:txBody>
-      </p:sp>
-      <p:sp>
-        <p:nvSpPr>
-          <p:cNvPr id="3" name="Espace réservé du contenu 2">
-            <a:extLst>
-              <a:ext uri="{FF2B5EF4-FFF2-40B4-BE49-F238E27FC236}">
-                <a16:creationId xmlns:a16="http://schemas.microsoft.com/office/drawing/2014/main" id="{76347DDA-DC30-49CF-8114-D89AD256F571}"/>
-              </a:ext>
-            </a:extLst>
-          </p:cNvPr>
-          <p:cNvSpPr>
-            <a:spLocks noGrp="1"/>
-          </p:cNvSpPr>
-          <p:nvPr>
-            <p:ph idx="1"/>
-          </p:nvPr>
-        </p:nvSpPr>
-        <p:spPr/>
-        <p:txBody>
-          <a:bodyPr>
-            <a:normAutofit lnSpcReduction="10000"/>
-          </a:bodyPr>
-          <a:lstStyle/>
-          <a:p>
-            <a:r>
-              <a:rPr lang="fr-FR" dirty="0"/>
-              <a:t>Portage de l’API Pandas sur Spark</a:t>
-            </a:r>
-          </a:p>
-          <a:p>
-            <a:pPr lvl="1"/>
-            <a:r>
-              <a:rPr lang="fr-FR" dirty="0" err="1">
-                <a:latin typeface="Courier New" panose="02070309020205020404" pitchFamily="49" charset="0"/>
-                <a:cs typeface="Courier New" panose="02070309020205020404" pitchFamily="49" charset="0"/>
-              </a:rPr>
-              <a:t>DataFrame</a:t>
-            </a:r>
-            <a:r>
-              <a:rPr lang="fr-FR" dirty="0"/>
-              <a:t> et </a:t>
-            </a:r>
-            <a:r>
-              <a:rPr lang="fr-FR" dirty="0" err="1">
-                <a:latin typeface="Courier New" panose="02070309020205020404" pitchFamily="49" charset="0"/>
-                <a:cs typeface="Courier New" panose="02070309020205020404" pitchFamily="49" charset="0"/>
-              </a:rPr>
-              <a:t>Series</a:t>
-            </a:r>
-            <a:r>
-              <a:rPr lang="fr-FR" dirty="0"/>
-              <a:t> de type Pandas mais </a:t>
-            </a:r>
-            <a:r>
-              <a:rPr lang="fr-FR" b="1" u="sng" dirty="0"/>
-              <a:t>distribuées</a:t>
-            </a:r>
-          </a:p>
-          <a:p>
-            <a:pPr lvl="1"/>
-            <a:r>
-              <a:rPr lang="fr-FR" dirty="0"/>
-              <a:t>Mêmes noms de méthodes/fonctions que Pandas</a:t>
-            </a:r>
-          </a:p>
-          <a:p>
-            <a:pPr marL="457200" lvl="1" indent="0">
-              <a:buNone/>
-            </a:pPr>
-            <a:endParaRPr lang="fr-FR" dirty="0"/>
-          </a:p>
-          <a:p>
-            <a:r>
-              <a:rPr lang="fr-FR" dirty="0"/>
-              <a:t>Attention : support incomplet</a:t>
-            </a:r>
-          </a:p>
-          <a:p>
-            <a:pPr lvl="1"/>
-            <a:r>
-              <a:rPr lang="fr-FR" dirty="0"/>
-              <a:t>Certaines fonctionnalités trop « couteuses » sur un cluster n’existent pas</a:t>
-            </a:r>
-          </a:p>
-          <a:p>
-            <a:pPr lvl="1"/>
-            <a:r>
-              <a:rPr lang="fr-FR" dirty="0"/>
-              <a:t>Voir les </a:t>
-            </a:r>
-            <a:r>
-              <a:rPr lang="fr-FR" dirty="0">
-                <a:hlinkClick r:id="rId2"/>
-              </a:rPr>
-              <a:t>méthodes et paramètres supportés </a:t>
-            </a:r>
-            <a:endParaRPr lang="fr-FR" dirty="0"/>
-          </a:p>
-          <a:p>
-            <a:pPr lvl="1"/>
-            <a:endParaRPr lang="fr-FR" dirty="0"/>
-          </a:p>
-          <a:p>
-            <a:r>
-              <a:rPr lang="fr-FR" dirty="0"/>
-              <a:t>Import</a:t>
-            </a:r>
-          </a:p>
-          <a:p>
-            <a:pPr marL="457200" lvl="1" indent="0">
-              <a:buNone/>
-            </a:pPr>
-            <a:r>
-              <a:rPr lang="en-US" b="0" dirty="0">
-                <a:solidFill>
-                  <a:srgbClr val="AF00DB"/>
-                </a:solidFill>
-                <a:effectLst/>
-                <a:latin typeface="Courier New" panose="02070309020205020404" pitchFamily="49" charset="0"/>
-              </a:rPr>
-              <a:t>import</a:t>
-            </a:r>
-            <a:r>
-              <a:rPr lang="en-US" b="0" dirty="0">
-                <a:solidFill>
-                  <a:srgbClr val="000000"/>
-                </a:solidFill>
-                <a:effectLst/>
-                <a:latin typeface="Courier New" panose="02070309020205020404" pitchFamily="49" charset="0"/>
-              </a:rPr>
-              <a:t> </a:t>
-            </a:r>
-            <a:r>
-              <a:rPr lang="en-US" b="0" dirty="0" err="1">
-                <a:solidFill>
-                  <a:srgbClr val="000000"/>
-                </a:solidFill>
-                <a:effectLst/>
-                <a:latin typeface="Courier New" panose="02070309020205020404" pitchFamily="49" charset="0"/>
-              </a:rPr>
-              <a:t>pyspark.pandas</a:t>
-            </a:r>
-            <a:r>
-              <a:rPr lang="en-US" b="0" dirty="0">
-                <a:solidFill>
-                  <a:srgbClr val="000000"/>
-                </a:solidFill>
-                <a:effectLst/>
-                <a:latin typeface="Courier New" panose="02070309020205020404" pitchFamily="49" charset="0"/>
-              </a:rPr>
-              <a:t> </a:t>
-            </a:r>
-            <a:r>
-              <a:rPr lang="en-US" b="0" dirty="0">
-                <a:solidFill>
-                  <a:srgbClr val="AF00DB"/>
-                </a:solidFill>
-                <a:effectLst/>
-                <a:latin typeface="Courier New" panose="02070309020205020404" pitchFamily="49" charset="0"/>
-              </a:rPr>
-              <a:t>as </a:t>
-            </a:r>
-            <a:r>
-              <a:rPr lang="en-US" b="0" dirty="0" err="1">
-                <a:solidFill>
-                  <a:srgbClr val="000000"/>
-                </a:solidFill>
-                <a:effectLst/>
-                <a:latin typeface="Courier New" panose="02070309020205020404" pitchFamily="49" charset="0"/>
-              </a:rPr>
-              <a:t>ps</a:t>
-            </a:r>
-            <a:endParaRPr lang="fr-FR" dirty="0"/>
-          </a:p>
-        </p:txBody>
-      </p:sp>
-    </p:spTree>
-    <p:extLst>
-      <p:ext uri="{BB962C8B-B14F-4D97-AF65-F5344CB8AC3E}">
-        <p14:creationId xmlns:p14="http://schemas.microsoft.com/office/powerpoint/2010/main" val="1426129557"/>
-      </p:ext>
-    </p:extLst>
-  </p:cSld>
-  <p:clrMapOvr>
-    <a:masterClrMapping/>
-  </p:clrMapOvr>
-</p:sld>
-</file>
-
-<file path=ppt/slides/slide19.xml><?xml version="1.0" encoding="utf-8"?>
-<p:sld xmlns:a="http://schemas.openxmlformats.org/drawingml/2006/main" xmlns:r="http://schemas.openxmlformats.org/officeDocument/2006/relationships" xmlns:p="http://schemas.openxmlformats.org/presentationml/2006/main">
-  <p:cSld>
-    <p:spTree>
-      <p:nvGrpSpPr>
-        <p:cNvPr id="1" name=""/>
-        <p:cNvGrpSpPr/>
-        <p:nvPr/>
-      </p:nvGrpSpPr>
-      <p:grpSpPr>
-        <a:xfrm>
-          <a:off x="0" y="0"/>
-          <a:ext cx="0" cy="0"/>
-          <a:chOff x="0" y="0"/>
-          <a:chExt cx="0" cy="0"/>
-        </a:xfrm>
-      </p:grpSpPr>
-      <p:sp>
-        <p:nvSpPr>
-          <p:cNvPr id="2" name="Titre 1">
-            <a:extLst>
-              <a:ext uri="{FF2B5EF4-FFF2-40B4-BE49-F238E27FC236}">
-                <a16:creationId xmlns:a16="http://schemas.microsoft.com/office/drawing/2014/main" id="{59C4F008-DBF1-45AC-9E55-CADD855598AB}"/>
-              </a:ext>
-            </a:extLst>
-          </p:cNvPr>
-          <p:cNvSpPr>
-            <a:spLocks noGrp="1"/>
-          </p:cNvSpPr>
-          <p:nvPr>
-            <p:ph type="title"/>
-          </p:nvPr>
-        </p:nvSpPr>
-        <p:spPr/>
-        <p:txBody>
-          <a:bodyPr/>
-          <a:lstStyle/>
-          <a:p>
-            <a:r>
-              <a:rPr lang="fr-FR" dirty="0"/>
-              <a:t>Pandas-on-</a:t>
-            </a:r>
-            <a:r>
-              <a:rPr lang="fr-FR" dirty="0" err="1"/>
-              <a:t>spark</a:t>
-            </a:r>
-            <a:r>
-              <a:rPr lang="fr-FR" dirty="0"/>
-              <a:t> API</a:t>
-            </a:r>
-          </a:p>
-        </p:txBody>
-      </p:sp>
-      <p:sp>
-        <p:nvSpPr>
-          <p:cNvPr id="3" name="Espace réservé du contenu 2">
-            <a:extLst>
-              <a:ext uri="{FF2B5EF4-FFF2-40B4-BE49-F238E27FC236}">
-                <a16:creationId xmlns:a16="http://schemas.microsoft.com/office/drawing/2014/main" id="{76347DDA-DC30-49CF-8114-D89AD256F571}"/>
-              </a:ext>
-            </a:extLst>
-          </p:cNvPr>
-          <p:cNvSpPr>
-            <a:spLocks noGrp="1"/>
-          </p:cNvSpPr>
-          <p:nvPr>
-            <p:ph idx="1"/>
-          </p:nvPr>
-        </p:nvSpPr>
-        <p:spPr>
-          <a:xfrm>
-            <a:off x="838200" y="1825624"/>
-            <a:ext cx="10515600" cy="4914541"/>
-          </a:xfrm>
-        </p:spPr>
-        <p:txBody>
-          <a:bodyPr>
-            <a:normAutofit fontScale="85000" lnSpcReduction="20000"/>
-          </a:bodyPr>
-          <a:lstStyle/>
-          <a:p>
-            <a:r>
-              <a:rPr lang="fr-FR" dirty="0"/>
-              <a:t>Création des </a:t>
-            </a:r>
-            <a:r>
-              <a:rPr lang="fr-FR" dirty="0" err="1">
-                <a:latin typeface="Courier New" panose="02070309020205020404" pitchFamily="49" charset="0"/>
-                <a:cs typeface="Courier New" panose="02070309020205020404" pitchFamily="49" charset="0"/>
-              </a:rPr>
-              <a:t>DataFrame</a:t>
-            </a:r>
-            <a:r>
-              <a:rPr lang="fr-FR" dirty="0">
-                <a:cs typeface="Courier New" panose="02070309020205020404" pitchFamily="49" charset="0"/>
-              </a:rPr>
-              <a:t> </a:t>
-            </a:r>
-            <a:r>
-              <a:rPr lang="fr-FR" dirty="0"/>
-              <a:t>pandas-on-</a:t>
-            </a:r>
-            <a:r>
-              <a:rPr lang="fr-FR" dirty="0" err="1"/>
-              <a:t>spark</a:t>
-            </a:r>
-            <a:endParaRPr lang="fr-FR" dirty="0">
-              <a:latin typeface="Courier New" panose="02070309020205020404" pitchFamily="49" charset="0"/>
-              <a:cs typeface="Courier New" panose="02070309020205020404" pitchFamily="49" charset="0"/>
-            </a:endParaRPr>
-          </a:p>
-          <a:p>
-            <a:pPr marL="914400" lvl="2" indent="0">
-              <a:buNone/>
-            </a:pPr>
-            <a:r>
-              <a:rPr lang="fr-FR" sz="1800" dirty="0">
-                <a:solidFill>
-                  <a:schemeClr val="accent6">
-                    <a:lumMod val="75000"/>
-                  </a:schemeClr>
-                </a:solidFill>
-                <a:latin typeface="Courier New" panose="02070309020205020404" pitchFamily="49" charset="0"/>
-                <a:cs typeface="Courier New" panose="02070309020205020404" pitchFamily="49" charset="0"/>
-              </a:rPr>
-              <a:t># à partir d’un range (une colonne)</a:t>
-            </a:r>
-          </a:p>
-          <a:p>
-            <a:pPr marL="914400" lvl="2" indent="0">
-              <a:buNone/>
-            </a:pPr>
-            <a:r>
-              <a:rPr lang="fr-FR" sz="1800" dirty="0">
-                <a:latin typeface="Courier New" panose="02070309020205020404" pitchFamily="49" charset="0"/>
-                <a:cs typeface="Courier New" panose="02070309020205020404" pitchFamily="49" charset="0"/>
-              </a:rPr>
-              <a:t>psdf1 = </a:t>
-            </a:r>
-            <a:r>
-              <a:rPr lang="fr-FR" sz="1800" dirty="0" err="1">
-                <a:latin typeface="Courier New" panose="02070309020205020404" pitchFamily="49" charset="0"/>
-                <a:cs typeface="Courier New" panose="02070309020205020404" pitchFamily="49" charset="0"/>
-              </a:rPr>
-              <a:t>ps.range</a:t>
-            </a:r>
-            <a:r>
-              <a:rPr lang="fr-FR" sz="1800" dirty="0">
-                <a:latin typeface="Courier New" panose="02070309020205020404" pitchFamily="49" charset="0"/>
-                <a:cs typeface="Courier New" panose="02070309020205020404" pitchFamily="49" charset="0"/>
-              </a:rPr>
-              <a:t>(1, 10, 2)</a:t>
-            </a:r>
-          </a:p>
-          <a:p>
-            <a:pPr marL="914400" lvl="2" indent="0">
-              <a:buNone/>
-            </a:pPr>
-            <a:endParaRPr lang="fr-FR" sz="1800" dirty="0">
-              <a:latin typeface="Courier New" panose="02070309020205020404" pitchFamily="49" charset="0"/>
-              <a:cs typeface="Courier New" panose="02070309020205020404" pitchFamily="49" charset="0"/>
-            </a:endParaRPr>
-          </a:p>
-          <a:p>
-            <a:pPr marL="914400" lvl="2" indent="0">
-              <a:buNone/>
-            </a:pPr>
-            <a:r>
-              <a:rPr lang="fr-FR" sz="1800" dirty="0">
-                <a:solidFill>
-                  <a:schemeClr val="accent6">
-                    <a:lumMod val="75000"/>
-                  </a:schemeClr>
-                </a:solidFill>
-                <a:latin typeface="Courier New" panose="02070309020205020404" pitchFamily="49" charset="0"/>
-                <a:cs typeface="Courier New" panose="02070309020205020404" pitchFamily="49" charset="0"/>
-              </a:rPr>
-              <a:t># à partir d’une structure de donnée Python</a:t>
-            </a:r>
-          </a:p>
-          <a:p>
-            <a:pPr marL="914400" lvl="2" indent="0">
-              <a:buNone/>
-            </a:pPr>
-            <a:r>
-              <a:rPr lang="fr-FR" sz="1800" dirty="0">
-                <a:latin typeface="Courier New" panose="02070309020205020404" pitchFamily="49" charset="0"/>
-                <a:cs typeface="Courier New" panose="02070309020205020404" pitchFamily="49" charset="0"/>
-              </a:rPr>
-              <a:t>psdf2 = </a:t>
-            </a:r>
-            <a:r>
-              <a:rPr lang="fr-FR" sz="1800" dirty="0" err="1">
-                <a:latin typeface="Courier New" panose="02070309020205020404" pitchFamily="49" charset="0"/>
-                <a:cs typeface="Courier New" panose="02070309020205020404" pitchFamily="49" charset="0"/>
-              </a:rPr>
-              <a:t>ps.DataFrame</a:t>
-            </a:r>
-            <a:r>
-              <a:rPr lang="fr-FR" sz="1800" dirty="0">
-                <a:latin typeface="Courier New" panose="02070309020205020404" pitchFamily="49" charset="0"/>
-                <a:cs typeface="Courier New" panose="02070309020205020404" pitchFamily="49" charset="0"/>
-              </a:rPr>
-              <a:t>({'A':[1,2,3], 'B':['</a:t>
-            </a:r>
-            <a:r>
-              <a:rPr lang="fr-FR" sz="1800" dirty="0" err="1">
-                <a:latin typeface="Courier New" panose="02070309020205020404" pitchFamily="49" charset="0"/>
-                <a:cs typeface="Courier New" panose="02070309020205020404" pitchFamily="49" charset="0"/>
-              </a:rPr>
-              <a:t>un','deux','trois</a:t>
-            </a:r>
-            <a:r>
-              <a:rPr lang="fr-FR" sz="1800" dirty="0">
-                <a:latin typeface="Courier New" panose="02070309020205020404" pitchFamily="49" charset="0"/>
-                <a:cs typeface="Courier New" panose="02070309020205020404" pitchFamily="49" charset="0"/>
-              </a:rPr>
-              <a:t>’]})</a:t>
-            </a:r>
-          </a:p>
-          <a:p>
-            <a:pPr marL="914400" lvl="2" indent="0">
-              <a:buNone/>
-            </a:pPr>
-            <a:endParaRPr lang="fr-FR" sz="1800" dirty="0">
-              <a:latin typeface="Courier New" panose="02070309020205020404" pitchFamily="49" charset="0"/>
-              <a:cs typeface="Courier New" panose="02070309020205020404" pitchFamily="49" charset="0"/>
-            </a:endParaRPr>
-          </a:p>
-          <a:p>
-            <a:pPr marL="914400" lvl="2" indent="0">
-              <a:buNone/>
-            </a:pPr>
-            <a:r>
-              <a:rPr lang="fr-FR" sz="1800" dirty="0">
-                <a:solidFill>
-                  <a:schemeClr val="accent6">
-                    <a:lumMod val="75000"/>
-                  </a:schemeClr>
-                </a:solidFill>
-                <a:latin typeface="Courier New" panose="02070309020205020404" pitchFamily="49" charset="0"/>
-                <a:cs typeface="Courier New" panose="02070309020205020404" pitchFamily="49" charset="0"/>
-              </a:rPr>
-              <a:t># à partir d’une </a:t>
-            </a:r>
-            <a:r>
-              <a:rPr lang="fr-FR" sz="1800" dirty="0" err="1">
-                <a:solidFill>
-                  <a:schemeClr val="accent6">
-                    <a:lumMod val="75000"/>
-                  </a:schemeClr>
-                </a:solidFill>
-                <a:latin typeface="Courier New" panose="02070309020205020404" pitchFamily="49" charset="0"/>
-                <a:cs typeface="Courier New" panose="02070309020205020404" pitchFamily="49" charset="0"/>
-              </a:rPr>
-              <a:t>Dataframe</a:t>
-            </a:r>
-            <a:r>
-              <a:rPr lang="fr-FR" sz="1800" dirty="0">
-                <a:solidFill>
-                  <a:schemeClr val="accent6">
-                    <a:lumMod val="75000"/>
-                  </a:schemeClr>
-                </a:solidFill>
-                <a:latin typeface="Courier New" panose="02070309020205020404" pitchFamily="49" charset="0"/>
-                <a:cs typeface="Courier New" panose="02070309020205020404" pitchFamily="49" charset="0"/>
-              </a:rPr>
-              <a:t> Pandas</a:t>
-            </a:r>
-          </a:p>
-          <a:p>
-            <a:pPr marL="914400" lvl="2" indent="0">
-              <a:buNone/>
-            </a:pPr>
-            <a:r>
-              <a:rPr lang="fr-FR" sz="1800" dirty="0">
-                <a:latin typeface="Courier New" panose="02070309020205020404" pitchFamily="49" charset="0"/>
-                <a:cs typeface="Courier New" panose="02070309020205020404" pitchFamily="49" charset="0"/>
-              </a:rPr>
-              <a:t>psdf3 = </a:t>
-            </a:r>
-            <a:r>
-              <a:rPr lang="fr-FR" sz="1800" dirty="0" err="1">
-                <a:latin typeface="Courier New" panose="02070309020205020404" pitchFamily="49" charset="0"/>
-                <a:cs typeface="Courier New" panose="02070309020205020404" pitchFamily="49" charset="0"/>
-              </a:rPr>
-              <a:t>ps.DataFrame</a:t>
-            </a:r>
-            <a:r>
-              <a:rPr lang="fr-FR" sz="1800" dirty="0">
-                <a:latin typeface="Courier New" panose="02070309020205020404" pitchFamily="49" charset="0"/>
-                <a:cs typeface="Courier New" panose="02070309020205020404" pitchFamily="49" charset="0"/>
-              </a:rPr>
-              <a:t>(</a:t>
-            </a:r>
-            <a:r>
-              <a:rPr lang="fr-FR" sz="1800" dirty="0" err="1">
-                <a:latin typeface="Courier New" panose="02070309020205020404" pitchFamily="49" charset="0"/>
-                <a:cs typeface="Courier New" panose="02070309020205020404" pitchFamily="49" charset="0"/>
-              </a:rPr>
-              <a:t>pdf</a:t>
-            </a:r>
-            <a:r>
-              <a:rPr lang="fr-FR" sz="1800" dirty="0">
-                <a:latin typeface="Courier New" panose="02070309020205020404" pitchFamily="49" charset="0"/>
-                <a:cs typeface="Courier New" panose="02070309020205020404" pitchFamily="49" charset="0"/>
-              </a:rPr>
-              <a:t>)  </a:t>
-            </a:r>
-            <a:r>
-              <a:rPr lang="fr-FR" sz="1800" dirty="0">
-                <a:solidFill>
-                  <a:schemeClr val="accent6">
-                    <a:lumMod val="75000"/>
-                  </a:schemeClr>
-                </a:solidFill>
-                <a:latin typeface="Courier New" panose="02070309020205020404" pitchFamily="49" charset="0"/>
-                <a:cs typeface="Courier New" panose="02070309020205020404" pitchFamily="49" charset="0"/>
-              </a:rPr>
-              <a:t># </a:t>
-            </a:r>
-            <a:r>
-              <a:rPr lang="fr-FR" sz="1800" dirty="0" err="1">
-                <a:solidFill>
-                  <a:schemeClr val="accent6">
-                    <a:lumMod val="75000"/>
-                  </a:schemeClr>
-                </a:solidFill>
-                <a:latin typeface="Courier New" panose="02070309020205020404" pitchFamily="49" charset="0"/>
-                <a:cs typeface="Courier New" panose="02070309020205020404" pitchFamily="49" charset="0"/>
-              </a:rPr>
-              <a:t>pdf</a:t>
-            </a:r>
-            <a:r>
-              <a:rPr lang="fr-FR" sz="1800" dirty="0">
-                <a:solidFill>
-                  <a:schemeClr val="accent6">
-                    <a:lumMod val="75000"/>
-                  </a:schemeClr>
-                </a:solidFill>
-                <a:latin typeface="Courier New" panose="02070309020205020404" pitchFamily="49" charset="0"/>
-                <a:cs typeface="Courier New" panose="02070309020205020404" pitchFamily="49" charset="0"/>
-              </a:rPr>
-              <a:t> est une </a:t>
-            </a:r>
-            <a:r>
-              <a:rPr lang="fr-FR" sz="1800" dirty="0" err="1">
-                <a:solidFill>
-                  <a:schemeClr val="accent6">
-                    <a:lumMod val="75000"/>
-                  </a:schemeClr>
-                </a:solidFill>
-                <a:latin typeface="Courier New" panose="02070309020205020404" pitchFamily="49" charset="0"/>
-                <a:cs typeface="Courier New" panose="02070309020205020404" pitchFamily="49" charset="0"/>
-              </a:rPr>
-              <a:t>DataFrame</a:t>
-            </a:r>
-            <a:r>
-              <a:rPr lang="fr-FR" sz="1800" dirty="0">
-                <a:solidFill>
-                  <a:schemeClr val="accent6">
-                    <a:lumMod val="75000"/>
-                  </a:schemeClr>
-                </a:solidFill>
-                <a:latin typeface="Courier New" panose="02070309020205020404" pitchFamily="49" charset="0"/>
-                <a:cs typeface="Courier New" panose="02070309020205020404" pitchFamily="49" charset="0"/>
-              </a:rPr>
-              <a:t> Pandas</a:t>
-            </a:r>
-          </a:p>
-          <a:p>
-            <a:pPr marL="914400" lvl="2" indent="0">
-              <a:buNone/>
-            </a:pPr>
-            <a:endParaRPr lang="fr-FR" sz="1800" dirty="0">
-              <a:solidFill>
-                <a:schemeClr val="accent6">
-                  <a:lumMod val="75000"/>
-                </a:schemeClr>
-              </a:solidFill>
-              <a:latin typeface="Courier New" panose="02070309020205020404" pitchFamily="49" charset="0"/>
-              <a:cs typeface="Courier New" panose="02070309020205020404" pitchFamily="49" charset="0"/>
-            </a:endParaRPr>
-          </a:p>
-          <a:p>
-            <a:pPr marL="914400" lvl="2" indent="0">
-              <a:buNone/>
-            </a:pPr>
-            <a:r>
-              <a:rPr lang="fr-FR" sz="1800" dirty="0">
-                <a:solidFill>
-                  <a:schemeClr val="accent6">
-                    <a:lumMod val="75000"/>
-                  </a:schemeClr>
-                </a:solidFill>
-                <a:latin typeface="Courier New" panose="02070309020205020404" pitchFamily="49" charset="0"/>
-                <a:cs typeface="Courier New" panose="02070309020205020404" pitchFamily="49" charset="0"/>
-              </a:rPr>
-              <a:t># à partir d’une </a:t>
-            </a:r>
-            <a:r>
-              <a:rPr lang="fr-FR" sz="1800" dirty="0" err="1">
-                <a:solidFill>
-                  <a:schemeClr val="accent6">
-                    <a:lumMod val="75000"/>
-                  </a:schemeClr>
-                </a:solidFill>
-                <a:latin typeface="Courier New" panose="02070309020205020404" pitchFamily="49" charset="0"/>
-                <a:cs typeface="Courier New" panose="02070309020205020404" pitchFamily="49" charset="0"/>
-              </a:rPr>
-              <a:t>DataFrame</a:t>
-            </a:r>
-            <a:r>
-              <a:rPr lang="fr-FR" sz="1800" dirty="0">
-                <a:solidFill>
-                  <a:schemeClr val="accent6">
-                    <a:lumMod val="75000"/>
-                  </a:schemeClr>
-                </a:solidFill>
-                <a:latin typeface="Courier New" panose="02070309020205020404" pitchFamily="49" charset="0"/>
-                <a:cs typeface="Courier New" panose="02070309020205020404" pitchFamily="49" charset="0"/>
-              </a:rPr>
-              <a:t> Spark</a:t>
-            </a:r>
-          </a:p>
-          <a:p>
-            <a:pPr marL="914400" lvl="2" indent="0">
-              <a:buNone/>
-            </a:pPr>
-            <a:r>
-              <a:rPr lang="fr-FR" sz="1800" dirty="0">
-                <a:latin typeface="Courier New" panose="02070309020205020404" pitchFamily="49" charset="0"/>
-                <a:cs typeface="Courier New" panose="02070309020205020404" pitchFamily="49" charset="0"/>
-              </a:rPr>
-              <a:t>psdf3 = </a:t>
-            </a:r>
-            <a:r>
-              <a:rPr lang="fr-FR" sz="1800" dirty="0" err="1">
-                <a:latin typeface="Courier New" panose="02070309020205020404" pitchFamily="49" charset="0"/>
-                <a:cs typeface="Courier New" panose="02070309020205020404" pitchFamily="49" charset="0"/>
-              </a:rPr>
-              <a:t>ps.DataFrame</a:t>
-            </a:r>
-            <a:r>
-              <a:rPr lang="fr-FR" sz="1800" dirty="0">
-                <a:latin typeface="Courier New" panose="02070309020205020404" pitchFamily="49" charset="0"/>
-                <a:cs typeface="Courier New" panose="02070309020205020404" pitchFamily="49" charset="0"/>
-              </a:rPr>
-              <a:t>(sdf)  </a:t>
-            </a:r>
-            <a:r>
-              <a:rPr lang="fr-FR" sz="1800" dirty="0">
-                <a:solidFill>
-                  <a:schemeClr val="accent6">
-                    <a:lumMod val="75000"/>
-                  </a:schemeClr>
-                </a:solidFill>
-                <a:latin typeface="Courier New" panose="02070309020205020404" pitchFamily="49" charset="0"/>
-                <a:cs typeface="Courier New" panose="02070309020205020404" pitchFamily="49" charset="0"/>
-              </a:rPr>
-              <a:t># </a:t>
-            </a:r>
-            <a:r>
-              <a:rPr lang="fr-FR" sz="1800" dirty="0" err="1">
-                <a:solidFill>
-                  <a:schemeClr val="accent6">
-                    <a:lumMod val="75000"/>
-                  </a:schemeClr>
-                </a:solidFill>
-                <a:latin typeface="Courier New" panose="02070309020205020404" pitchFamily="49" charset="0"/>
-                <a:cs typeface="Courier New" panose="02070309020205020404" pitchFamily="49" charset="0"/>
-              </a:rPr>
-              <a:t>pdf</a:t>
-            </a:r>
-            <a:r>
-              <a:rPr lang="fr-FR" sz="1800" dirty="0">
-                <a:solidFill>
-                  <a:schemeClr val="accent6">
-                    <a:lumMod val="75000"/>
-                  </a:schemeClr>
-                </a:solidFill>
-                <a:latin typeface="Courier New" panose="02070309020205020404" pitchFamily="49" charset="0"/>
-                <a:cs typeface="Courier New" panose="02070309020205020404" pitchFamily="49" charset="0"/>
-              </a:rPr>
-              <a:t> est une </a:t>
-            </a:r>
-            <a:r>
-              <a:rPr lang="fr-FR" sz="1800" dirty="0" err="1">
-                <a:solidFill>
-                  <a:schemeClr val="accent6">
-                    <a:lumMod val="75000"/>
-                  </a:schemeClr>
-                </a:solidFill>
-                <a:latin typeface="Courier New" panose="02070309020205020404" pitchFamily="49" charset="0"/>
-                <a:cs typeface="Courier New" panose="02070309020205020404" pitchFamily="49" charset="0"/>
-              </a:rPr>
-              <a:t>DataFrame</a:t>
-            </a:r>
-            <a:r>
-              <a:rPr lang="fr-FR" sz="1800" dirty="0">
-                <a:solidFill>
-                  <a:schemeClr val="accent6">
-                    <a:lumMod val="75000"/>
-                  </a:schemeClr>
-                </a:solidFill>
-                <a:latin typeface="Courier New" panose="02070309020205020404" pitchFamily="49" charset="0"/>
-                <a:cs typeface="Courier New" panose="02070309020205020404" pitchFamily="49" charset="0"/>
-              </a:rPr>
-              <a:t> Spark</a:t>
-            </a:r>
-          </a:p>
-          <a:p>
-            <a:pPr marL="914400" lvl="2" indent="0">
-              <a:buNone/>
-            </a:pPr>
-            <a:endParaRPr lang="fr-FR" sz="1800" dirty="0">
-              <a:solidFill>
-                <a:schemeClr val="accent6">
-                  <a:lumMod val="75000"/>
-                </a:schemeClr>
-              </a:solidFill>
-              <a:latin typeface="Courier New" panose="02070309020205020404" pitchFamily="49" charset="0"/>
-              <a:cs typeface="Courier New" panose="02070309020205020404" pitchFamily="49" charset="0"/>
-            </a:endParaRPr>
-          </a:p>
-          <a:p>
-            <a:pPr marL="914400" lvl="2" indent="0">
-              <a:buNone/>
-            </a:pPr>
-            <a:r>
-              <a:rPr lang="fr-FR" sz="1800" dirty="0">
-                <a:solidFill>
-                  <a:schemeClr val="accent6">
-                    <a:lumMod val="75000"/>
-                  </a:schemeClr>
-                </a:solidFill>
-                <a:latin typeface="Courier New" panose="02070309020205020404" pitchFamily="49" charset="0"/>
-                <a:cs typeface="Courier New" panose="02070309020205020404" pitchFamily="49" charset="0"/>
-              </a:rPr>
-              <a:t># à partir d’un RDD Spark</a:t>
-            </a:r>
-          </a:p>
-          <a:p>
-            <a:pPr marL="914400" lvl="2" indent="0">
-              <a:buNone/>
-            </a:pPr>
-            <a:r>
-              <a:rPr lang="fr-FR" sz="1800" dirty="0">
-                <a:latin typeface="Courier New" panose="02070309020205020404" pitchFamily="49" charset="0"/>
-                <a:cs typeface="Courier New" panose="02070309020205020404" pitchFamily="49" charset="0"/>
-              </a:rPr>
-              <a:t>psdf3 = </a:t>
-            </a:r>
-            <a:r>
-              <a:rPr lang="fr-FR" sz="1800" dirty="0" err="1">
-                <a:latin typeface="Courier New" panose="02070309020205020404" pitchFamily="49" charset="0"/>
-                <a:cs typeface="Courier New" panose="02070309020205020404" pitchFamily="49" charset="0"/>
-              </a:rPr>
-              <a:t>ps.DataFrame</a:t>
-            </a:r>
-            <a:r>
-              <a:rPr lang="fr-FR" sz="1800" dirty="0">
-                <a:latin typeface="Courier New" panose="02070309020205020404" pitchFamily="49" charset="0"/>
-                <a:cs typeface="Courier New" panose="02070309020205020404" pitchFamily="49" charset="0"/>
-              </a:rPr>
-              <a:t>(</a:t>
-            </a:r>
-            <a:r>
-              <a:rPr lang="fr-FR" sz="1800" dirty="0" err="1">
-                <a:latin typeface="Courier New" panose="02070309020205020404" pitchFamily="49" charset="0"/>
-                <a:cs typeface="Courier New" panose="02070309020205020404" pitchFamily="49" charset="0"/>
-              </a:rPr>
-              <a:t>rdd.toDF</a:t>
-            </a:r>
-            <a:r>
-              <a:rPr lang="fr-FR" sz="1800" dirty="0">
-                <a:latin typeface="Courier New" panose="02070309020205020404" pitchFamily="49" charset="0"/>
-                <a:cs typeface="Courier New" panose="02070309020205020404" pitchFamily="49" charset="0"/>
-              </a:rPr>
-              <a:t>())  </a:t>
-            </a:r>
-            <a:r>
-              <a:rPr lang="fr-FR" sz="1800" dirty="0">
-                <a:solidFill>
-                  <a:schemeClr val="accent6">
-                    <a:lumMod val="75000"/>
-                  </a:schemeClr>
-                </a:solidFill>
-                <a:latin typeface="Courier New" panose="02070309020205020404" pitchFamily="49" charset="0"/>
-                <a:cs typeface="Courier New" panose="02070309020205020404" pitchFamily="49" charset="0"/>
-              </a:rPr>
-              <a:t># </a:t>
-            </a:r>
-            <a:r>
-              <a:rPr lang="fr-FR" sz="1800" dirty="0" err="1">
-                <a:solidFill>
-                  <a:schemeClr val="accent6">
-                    <a:lumMod val="75000"/>
-                  </a:schemeClr>
-                </a:solidFill>
-                <a:latin typeface="Courier New" panose="02070309020205020404" pitchFamily="49" charset="0"/>
-                <a:cs typeface="Courier New" panose="02070309020205020404" pitchFamily="49" charset="0"/>
-              </a:rPr>
-              <a:t>rdd</a:t>
-            </a:r>
-            <a:r>
-              <a:rPr lang="fr-FR" sz="1800" dirty="0">
-                <a:solidFill>
-                  <a:schemeClr val="accent6">
-                    <a:lumMod val="75000"/>
-                  </a:schemeClr>
-                </a:solidFill>
-                <a:latin typeface="Courier New" panose="02070309020205020404" pitchFamily="49" charset="0"/>
-                <a:cs typeface="Courier New" panose="02070309020205020404" pitchFamily="49" charset="0"/>
-              </a:rPr>
-              <a:t> est un RDD Spark</a:t>
-            </a:r>
-          </a:p>
-          <a:p>
-            <a:pPr marL="914400" lvl="2" indent="0">
-              <a:buNone/>
-            </a:pPr>
-            <a:endParaRPr lang="fr-FR" sz="1800" dirty="0">
-              <a:solidFill>
-                <a:schemeClr val="accent6">
-                  <a:lumMod val="75000"/>
-                </a:schemeClr>
-              </a:solidFill>
-              <a:latin typeface="Courier New" panose="02070309020205020404" pitchFamily="49" charset="0"/>
-              <a:cs typeface="Courier New" panose="02070309020205020404" pitchFamily="49" charset="0"/>
-            </a:endParaRPr>
-          </a:p>
-          <a:p>
-            <a:pPr marL="914400" lvl="2" indent="0">
-              <a:buNone/>
-            </a:pPr>
-            <a:r>
-              <a:rPr lang="fr-FR" sz="1800" dirty="0">
-                <a:solidFill>
-                  <a:schemeClr val="accent6">
-                    <a:lumMod val="75000"/>
-                  </a:schemeClr>
-                </a:solidFill>
-                <a:latin typeface="Courier New" panose="02070309020205020404" pitchFamily="49" charset="0"/>
-                <a:cs typeface="Courier New" panose="02070309020205020404" pitchFamily="49" charset="0"/>
-              </a:rPr>
-              <a:t># à partir d’un fichier</a:t>
-            </a:r>
-          </a:p>
-          <a:p>
-            <a:pPr marL="914400" lvl="2" indent="0">
-              <a:buNone/>
-            </a:pPr>
-            <a:r>
-              <a:rPr lang="fr-FR" sz="1800" dirty="0">
-                <a:latin typeface="Courier New" panose="02070309020205020404" pitchFamily="49" charset="0"/>
-                <a:cs typeface="Courier New" panose="02070309020205020404" pitchFamily="49" charset="0"/>
-              </a:rPr>
-              <a:t>psdf4 = </a:t>
-            </a:r>
-            <a:r>
-              <a:rPr lang="fr-FR" sz="1800" dirty="0" err="1">
-                <a:latin typeface="Courier New" panose="02070309020205020404" pitchFamily="49" charset="0"/>
-                <a:cs typeface="Courier New" panose="02070309020205020404" pitchFamily="49" charset="0"/>
-              </a:rPr>
-              <a:t>ps.read_csv</a:t>
-            </a:r>
-            <a:r>
-              <a:rPr lang="fr-FR" sz="1800" dirty="0">
-                <a:latin typeface="Courier New" panose="02070309020205020404" pitchFamily="49" charset="0"/>
-                <a:cs typeface="Courier New" panose="02070309020205020404" pitchFamily="49" charset="0"/>
-              </a:rPr>
-              <a:t>(</a:t>
-            </a:r>
-            <a:r>
-              <a:rPr lang="fr-FR" sz="1800" i="1" dirty="0">
-                <a:latin typeface="Courier New" panose="02070309020205020404" pitchFamily="49" charset="0"/>
-                <a:cs typeface="Courier New" panose="02070309020205020404" pitchFamily="49" charset="0"/>
-              </a:rPr>
-              <a:t>&lt;</a:t>
-            </a:r>
-            <a:r>
-              <a:rPr lang="fr-FR" sz="1800" i="1" dirty="0" err="1">
-                <a:latin typeface="Courier New" panose="02070309020205020404" pitchFamily="49" charset="0"/>
-                <a:cs typeface="Courier New" panose="02070309020205020404" pitchFamily="49" charset="0"/>
-              </a:rPr>
-              <a:t>path</a:t>
-            </a:r>
-            <a:r>
-              <a:rPr lang="fr-FR" sz="1800" i="1" dirty="0">
-                <a:latin typeface="Courier New" panose="02070309020205020404" pitchFamily="49" charset="0"/>
-                <a:cs typeface="Courier New" panose="02070309020205020404" pitchFamily="49" charset="0"/>
-              </a:rPr>
-              <a:t> to CSV file&gt;, sep=</a:t>
-            </a:r>
-            <a:r>
-              <a:rPr lang="fr-FR" sz="1800" dirty="0">
-                <a:latin typeface="Courier New" panose="02070309020205020404" pitchFamily="49" charset="0"/>
-                <a:cs typeface="Courier New" panose="02070309020205020404" pitchFamily="49" charset="0"/>
-              </a:rPr>
-              <a:t>';')</a:t>
-            </a:r>
-          </a:p>
-          <a:p>
-            <a:pPr marL="914400" lvl="2" indent="0">
-              <a:buNone/>
-            </a:pPr>
-            <a:r>
-              <a:rPr lang="fr-FR" sz="1800" dirty="0">
-                <a:latin typeface="Courier New" panose="02070309020205020404" pitchFamily="49" charset="0"/>
-                <a:cs typeface="Courier New" panose="02070309020205020404" pitchFamily="49" charset="0"/>
-              </a:rPr>
-              <a:t>psdf5 = </a:t>
-            </a:r>
-            <a:r>
-              <a:rPr lang="fr-FR" sz="1800" dirty="0" err="1">
-                <a:latin typeface="Courier New" panose="02070309020205020404" pitchFamily="49" charset="0"/>
-                <a:cs typeface="Courier New" panose="02070309020205020404" pitchFamily="49" charset="0"/>
-              </a:rPr>
-              <a:t>ps.read_json</a:t>
-            </a:r>
-            <a:r>
-              <a:rPr lang="fr-FR" sz="1800" dirty="0">
-                <a:latin typeface="Courier New" panose="02070309020205020404" pitchFamily="49" charset="0"/>
-                <a:cs typeface="Courier New" panose="02070309020205020404" pitchFamily="49" charset="0"/>
-              </a:rPr>
-              <a:t>(</a:t>
-            </a:r>
-            <a:r>
-              <a:rPr lang="fr-FR" sz="1800" i="1" dirty="0">
-                <a:latin typeface="Courier New" panose="02070309020205020404" pitchFamily="49" charset="0"/>
-                <a:cs typeface="Courier New" panose="02070309020205020404" pitchFamily="49" charset="0"/>
-              </a:rPr>
-              <a:t>&lt;</a:t>
-            </a:r>
-            <a:r>
-              <a:rPr lang="fr-FR" sz="1800" i="1" dirty="0" err="1">
-                <a:latin typeface="Courier New" panose="02070309020205020404" pitchFamily="49" charset="0"/>
-                <a:cs typeface="Courier New" panose="02070309020205020404" pitchFamily="49" charset="0"/>
-              </a:rPr>
-              <a:t>path</a:t>
-            </a:r>
-            <a:r>
-              <a:rPr lang="fr-FR" sz="1800" i="1" dirty="0">
-                <a:latin typeface="Courier New" panose="02070309020205020404" pitchFamily="49" charset="0"/>
-                <a:cs typeface="Courier New" panose="02070309020205020404" pitchFamily="49" charset="0"/>
-              </a:rPr>
-              <a:t> to JSON file&gt;</a:t>
-            </a:r>
-            <a:r>
-              <a:rPr lang="fr-FR" sz="1800" dirty="0">
-                <a:latin typeface="Courier New" panose="02070309020205020404" pitchFamily="49" charset="0"/>
-                <a:cs typeface="Courier New" panose="02070309020205020404" pitchFamily="49" charset="0"/>
-              </a:rPr>
-              <a:t>)</a:t>
-            </a:r>
-          </a:p>
-          <a:p>
-            <a:pPr marL="914400" lvl="2" indent="0">
-              <a:buNone/>
-            </a:pPr>
-            <a:r>
-              <a:rPr lang="fr-FR" sz="1800" dirty="0">
-                <a:latin typeface="Courier New" panose="02070309020205020404" pitchFamily="49" charset="0"/>
-                <a:cs typeface="Courier New" panose="02070309020205020404" pitchFamily="49" charset="0"/>
-              </a:rPr>
-              <a:t>psdf6 = </a:t>
-            </a:r>
-            <a:r>
-              <a:rPr lang="fr-FR" sz="1800" dirty="0" err="1">
-                <a:latin typeface="Courier New" panose="02070309020205020404" pitchFamily="49" charset="0"/>
-                <a:cs typeface="Courier New" panose="02070309020205020404" pitchFamily="49" charset="0"/>
-              </a:rPr>
-              <a:t>ps.read_parquet</a:t>
-            </a:r>
-            <a:r>
-              <a:rPr lang="fr-FR" sz="1800" dirty="0">
-                <a:latin typeface="Courier New" panose="02070309020205020404" pitchFamily="49" charset="0"/>
-                <a:cs typeface="Courier New" panose="02070309020205020404" pitchFamily="49" charset="0"/>
-              </a:rPr>
-              <a:t>(</a:t>
-            </a:r>
-            <a:r>
-              <a:rPr lang="fr-FR" sz="1800" i="1" dirty="0">
-                <a:latin typeface="Courier New" panose="02070309020205020404" pitchFamily="49" charset="0"/>
-                <a:cs typeface="Courier New" panose="02070309020205020404" pitchFamily="49" charset="0"/>
-              </a:rPr>
-              <a:t>&lt;</a:t>
-            </a:r>
-            <a:r>
-              <a:rPr lang="fr-FR" sz="1800" i="1" dirty="0" err="1">
-                <a:latin typeface="Courier New" panose="02070309020205020404" pitchFamily="49" charset="0"/>
-                <a:cs typeface="Courier New" panose="02070309020205020404" pitchFamily="49" charset="0"/>
-              </a:rPr>
-              <a:t>path</a:t>
-            </a:r>
-            <a:r>
-              <a:rPr lang="fr-FR" sz="1800" i="1" dirty="0">
-                <a:latin typeface="Courier New" panose="02070309020205020404" pitchFamily="49" charset="0"/>
-                <a:cs typeface="Courier New" panose="02070309020205020404" pitchFamily="49" charset="0"/>
-              </a:rPr>
-              <a:t> to PARQUET file&gt;</a:t>
-            </a:r>
-            <a:r>
-              <a:rPr lang="fr-FR" sz="1800" dirty="0">
-                <a:latin typeface="Courier New" panose="02070309020205020404" pitchFamily="49" charset="0"/>
-                <a:cs typeface="Courier New" panose="02070309020205020404" pitchFamily="49" charset="0"/>
-              </a:rPr>
-              <a:t>)</a:t>
-            </a:r>
-          </a:p>
-          <a:p>
-            <a:pPr marL="914400" lvl="2" indent="0">
-              <a:buNone/>
-            </a:pPr>
-            <a:r>
-              <a:rPr lang="fr-FR" sz="1800" dirty="0">
-                <a:latin typeface="Courier New" panose="02070309020205020404" pitchFamily="49" charset="0"/>
-                <a:cs typeface="Courier New" panose="02070309020205020404" pitchFamily="49" charset="0"/>
-              </a:rPr>
-              <a:t>...</a:t>
-            </a:r>
-          </a:p>
-        </p:txBody>
-      </p:sp>
-    </p:spTree>
-    <p:extLst>
-      <p:ext uri="{BB962C8B-B14F-4D97-AF65-F5344CB8AC3E}">
-        <p14:creationId xmlns:p14="http://schemas.microsoft.com/office/powerpoint/2010/main" val="865843493"/>
       </p:ext>
     </p:extLst>
   </p:cSld>
@@ -9238,196 +8203,6 @@
     <p:extLst>
       <p:ext uri="{BB962C8B-B14F-4D97-AF65-F5344CB8AC3E}">
         <p14:creationId xmlns:p14="http://schemas.microsoft.com/office/powerpoint/2010/main" val="1349055690"/>
-      </p:ext>
-    </p:extLst>
-  </p:cSld>
-  <p:clrMapOvr>
-    <a:masterClrMapping/>
-  </p:clrMapOvr>
-</p:sld>
-</file>
-
-<file path=ppt/slides/slide20.xml><?xml version="1.0" encoding="utf-8"?>
-<p:sld xmlns:a="http://schemas.openxmlformats.org/drawingml/2006/main" xmlns:r="http://schemas.openxmlformats.org/officeDocument/2006/relationships" xmlns:p="http://schemas.openxmlformats.org/presentationml/2006/main">
-  <p:cSld>
-    <p:spTree>
-      <p:nvGrpSpPr>
-        <p:cNvPr id="1" name=""/>
-        <p:cNvGrpSpPr/>
-        <p:nvPr/>
-      </p:nvGrpSpPr>
-      <p:grpSpPr>
-        <a:xfrm>
-          <a:off x="0" y="0"/>
-          <a:ext cx="0" cy="0"/>
-          <a:chOff x="0" y="0"/>
-          <a:chExt cx="0" cy="0"/>
-        </a:xfrm>
-      </p:grpSpPr>
-      <p:sp>
-        <p:nvSpPr>
-          <p:cNvPr id="2" name="Titre 1">
-            <a:extLst>
-              <a:ext uri="{FF2B5EF4-FFF2-40B4-BE49-F238E27FC236}">
-                <a16:creationId xmlns:a16="http://schemas.microsoft.com/office/drawing/2014/main" id="{59C4F008-DBF1-45AC-9E55-CADD855598AB}"/>
-              </a:ext>
-            </a:extLst>
-          </p:cNvPr>
-          <p:cNvSpPr>
-            <a:spLocks noGrp="1"/>
-          </p:cNvSpPr>
-          <p:nvPr>
-            <p:ph type="title"/>
-          </p:nvPr>
-        </p:nvSpPr>
-        <p:spPr/>
-        <p:txBody>
-          <a:bodyPr/>
-          <a:lstStyle/>
-          <a:p>
-            <a:r>
-              <a:rPr lang="fr-FR" dirty="0"/>
-              <a:t>Pandas-on-</a:t>
-            </a:r>
-            <a:r>
-              <a:rPr lang="fr-FR" dirty="0" err="1"/>
-              <a:t>spark</a:t>
-            </a:r>
-            <a:r>
-              <a:rPr lang="fr-FR" dirty="0"/>
-              <a:t> API</a:t>
-            </a:r>
-          </a:p>
-        </p:txBody>
-      </p:sp>
-      <p:sp>
-        <p:nvSpPr>
-          <p:cNvPr id="3" name="Espace réservé du contenu 2">
-            <a:extLst>
-              <a:ext uri="{FF2B5EF4-FFF2-40B4-BE49-F238E27FC236}">
-                <a16:creationId xmlns:a16="http://schemas.microsoft.com/office/drawing/2014/main" id="{76347DDA-DC30-49CF-8114-D89AD256F571}"/>
-              </a:ext>
-            </a:extLst>
-          </p:cNvPr>
-          <p:cNvSpPr>
-            <a:spLocks noGrp="1"/>
-          </p:cNvSpPr>
-          <p:nvPr>
-            <p:ph idx="1"/>
-          </p:nvPr>
-        </p:nvSpPr>
-        <p:spPr>
-          <a:xfrm>
-            <a:off x="838200" y="1825624"/>
-            <a:ext cx="10515600" cy="4914541"/>
-          </a:xfrm>
-        </p:spPr>
-        <p:txBody>
-          <a:bodyPr>
-            <a:normAutofit/>
-          </a:bodyPr>
-          <a:lstStyle/>
-          <a:p>
-            <a:r>
-              <a:rPr lang="fr-FR" dirty="0">
-                <a:cs typeface="Courier New" panose="02070309020205020404" pitchFamily="49" charset="0"/>
-              </a:rPr>
-              <a:t>Manipulation </a:t>
-            </a:r>
-            <a:r>
-              <a:rPr lang="fr-FR" dirty="0"/>
-              <a:t>des objets pandas-on-</a:t>
-            </a:r>
-            <a:r>
-              <a:rPr lang="fr-FR" dirty="0" err="1"/>
-              <a:t>spark</a:t>
-            </a:r>
-            <a:endParaRPr lang="fr-FR" dirty="0">
-              <a:cs typeface="Courier New" panose="02070309020205020404" pitchFamily="49" charset="0"/>
-            </a:endParaRPr>
-          </a:p>
-          <a:p>
-            <a:pPr lvl="1"/>
-            <a:r>
-              <a:rPr lang="fr-FR" dirty="0">
-                <a:cs typeface="Courier New" panose="02070309020205020404" pitchFamily="49" charset="0"/>
-              </a:rPr>
-              <a:t>Même API que Pandas (support partiel)</a:t>
-            </a:r>
-          </a:p>
-          <a:p>
-            <a:pPr lvl="1"/>
-            <a:r>
-              <a:rPr lang="fr-FR" dirty="0">
-                <a:cs typeface="Courier New" panose="02070309020205020404" pitchFamily="49" charset="0"/>
-              </a:rPr>
-              <a:t>Voir la </a:t>
-            </a:r>
-            <a:r>
-              <a:rPr lang="fr-FR" dirty="0">
-                <a:cs typeface="Courier New" panose="02070309020205020404" pitchFamily="49" charset="0"/>
-                <a:hlinkClick r:id="rId2"/>
-              </a:rPr>
-              <a:t>documentation en ligne </a:t>
-            </a:r>
-            <a:r>
-              <a:rPr lang="fr-FR" dirty="0">
-                <a:cs typeface="Courier New" panose="02070309020205020404" pitchFamily="49" charset="0"/>
-              </a:rPr>
-              <a:t>:</a:t>
-            </a:r>
-          </a:p>
-          <a:p>
-            <a:pPr lvl="2"/>
-            <a:r>
-              <a:rPr lang="fr-FR" dirty="0" err="1">
-                <a:latin typeface="Courier New" panose="02070309020205020404" pitchFamily="49" charset="0"/>
-                <a:cs typeface="Courier New" panose="02070309020205020404" pitchFamily="49" charset="0"/>
-                <a:hlinkClick r:id="rId3"/>
-              </a:rPr>
-              <a:t>DataFrame</a:t>
-            </a:r>
-            <a:endParaRPr lang="fr-FR" dirty="0">
-              <a:latin typeface="Courier New" panose="02070309020205020404" pitchFamily="49" charset="0"/>
-              <a:cs typeface="Courier New" panose="02070309020205020404" pitchFamily="49" charset="0"/>
-            </a:endParaRPr>
-          </a:p>
-          <a:p>
-            <a:pPr lvl="2"/>
-            <a:r>
-              <a:rPr lang="fr-FR" dirty="0" err="1">
-                <a:latin typeface="Courier New" panose="02070309020205020404" pitchFamily="49" charset="0"/>
-                <a:cs typeface="Courier New" panose="02070309020205020404" pitchFamily="49" charset="0"/>
-                <a:hlinkClick r:id="rId4"/>
-              </a:rPr>
-              <a:t>Serie</a:t>
-            </a:r>
-            <a:endParaRPr lang="fr-FR" dirty="0">
-              <a:latin typeface="Courier New" panose="02070309020205020404" pitchFamily="49" charset="0"/>
-              <a:cs typeface="Courier New" panose="02070309020205020404" pitchFamily="49" charset="0"/>
-            </a:endParaRPr>
-          </a:p>
-          <a:p>
-            <a:pPr lvl="2"/>
-            <a:r>
-              <a:rPr lang="fr-FR" dirty="0" err="1">
-                <a:latin typeface="Courier New" panose="02070309020205020404" pitchFamily="49" charset="0"/>
-                <a:cs typeface="Courier New" panose="02070309020205020404" pitchFamily="49" charset="0"/>
-                <a:hlinkClick r:id="rId5"/>
-              </a:rPr>
-              <a:t>GroupBy</a:t>
-            </a:r>
-            <a:endParaRPr lang="fr-FR" dirty="0">
-              <a:latin typeface="Courier New" panose="02070309020205020404" pitchFamily="49" charset="0"/>
-              <a:cs typeface="Courier New" panose="02070309020205020404" pitchFamily="49" charset="0"/>
-            </a:endParaRPr>
-          </a:p>
-        </p:txBody>
-      </p:sp>
-    </p:spTree>
-    <p:extLst>
-      <p:ext uri="{BB962C8B-B14F-4D97-AF65-F5344CB8AC3E}">
-        <p14:creationId xmlns:p14="http://schemas.microsoft.com/office/powerpoint/2010/main" val="677830284"/>
       </p:ext>
     </p:extLst>
   </p:cSld>
